--- a/sample publications/Poster.pptx
+++ b/sample publications/Poster.pptx
@@ -105,6 +105,49 @@
     </a:lvl9pPr>
   </p:defaultTextStyle>
 </p:presentation>
+</file>
+
+<file path=ppt/commentAuthors.xml><?xml version="1.0" encoding="utf-8"?>
+<p:cmAuthorLst xmlns:a="http://schemas.openxmlformats.org/drawingml/2006/main" xmlns:r="http://schemas.openxmlformats.org/officeDocument/2006/relationships" xmlns:p="http://schemas.openxmlformats.org/presentationml/2006/main">
+  <p:cmAuthor id="0" name="wcc" initials="w" lastIdx="8" clrIdx="0"/>
+</p:cmAuthorLst>
+</file>
+
+<file path=ppt/comments/comment1.xml><?xml version="1.0" encoding="utf-8"?>
+<p:cmLst xmlns:a="http://schemas.openxmlformats.org/drawingml/2006/main" xmlns:r="http://schemas.openxmlformats.org/officeDocument/2006/relationships" xmlns:p="http://schemas.openxmlformats.org/presentationml/2006/main">
+  <p:cm authorId="0" dt="2019-07-30T13:55:02.273" idx="1">
+    <p:pos x="16366" y="12890"/>
+    <p:text>add 4 heatmaps</p:text>
+  </p:cm>
+  <p:cm authorId="0" dt="2019-07-30T13:55:24.791" idx="2">
+    <p:pos x="16466" y="3039"/>
+    <p:text>add descriptions of the method</p:text>
+  </p:cm>
+  <p:cm authorId="0" dt="2019-07-30T13:56:36.627" idx="3">
+    <p:pos x="16247" y="2006"/>
+    <p:text>copy from the previous poster</p:text>
+  </p:cm>
+  <p:cm authorId="0" dt="2019-07-30T13:56:46.437" idx="4">
+    <p:pos x="25463" y="16525"/>
+    <p:text>copy from the previous poster</p:text>
+  </p:cm>
+  <p:cm authorId="0" dt="2019-07-30T13:57:24.857" idx="5">
+    <p:pos x="28323" y="3019"/>
+    <p:text>put findings here or create another section</p:text>
+  </p:cm>
+  <p:cm authorId="0" dt="2019-07-30T13:57:59.935" idx="6">
+    <p:pos x="7824" y="2985"/>
+    <p:text>you need one "clinical relevance" box; did you check my previous posters?</p:text>
+  </p:cm>
+  <p:cm authorId="0" dt="2019-07-30T13:59:20.493" idx="7">
+    <p:pos x="2741" y="18353"/>
+    <p:text>copy and paste our conversation here</p:text>
+  </p:cm>
+  <p:cm authorId="0" dt="2019-07-30T14:01:36.530" idx="8">
+    <p:pos x="6396" y="17598"/>
+    <p:text>introduce the viewers</p:text>
+  </p:cm>
+</p:cmLst>
 </file>
 
 <file path=ppt/slideLayouts/slideLayout1.xml><?xml version="1.0" encoding="utf-8"?>
@@ -3137,7 +3180,51 @@
                 <a:ea typeface="Times New Roman"/>
                 <a:cs typeface="Arial" panose="020B0604020202020204" pitchFamily="34" charset="0"/>
               </a:rPr>
-              <a:t>Bench Test Methods for Whole Slide Imaging Viewer Software</a:t>
+              <a:t>Do Thir</a:t>
+            </a:r>
+            <a:r>
+              <a:rPr lang="en-US" sz="9600" b="1" dirty="0" smtClean="0">
+                <a:solidFill>
+                  <a:srgbClr val="007CBA"/>
+                </a:solidFill>
+                <a:latin typeface="Arial" panose="020B0604020202020204" pitchFamily="34" charset="0"/>
+                <a:ea typeface="Times New Roman"/>
+                <a:cs typeface="Arial" panose="020B0604020202020204" pitchFamily="34" charset="0"/>
+              </a:rPr>
+              <a:t>d-party Viewers Reproduce the Same</a:t>
+            </a:r>
+            <a:r>
+              <a:rPr lang="en-US" sz="9600" b="1" dirty="0" smtClean="0">
+                <a:solidFill>
+                  <a:srgbClr val="007CBA"/>
+                </a:solidFill>
+                <a:latin typeface="Arial" panose="020B0604020202020204" pitchFamily="34" charset="0"/>
+                <a:ea typeface="Times New Roman"/>
+                <a:cs typeface="Arial" panose="020B0604020202020204" pitchFamily="34" charset="0"/>
+              </a:rPr>
+              <a:t> </a:t>
+            </a:r>
+            <a:r>
+              <a:rPr lang="en-US" sz="9600" b="1" dirty="0" smtClean="0">
+                <a:solidFill>
+                  <a:srgbClr val="007CBA"/>
+                </a:solidFill>
+                <a:latin typeface="Arial" panose="020B0604020202020204" pitchFamily="34" charset="0"/>
+                <a:ea typeface="Times New Roman"/>
+                <a:cs typeface="Arial" panose="020B0604020202020204" pitchFamily="34" charset="0"/>
+              </a:rPr>
+              <a:t>Whole Slide </a:t>
+            </a:r>
+            <a:r>
+              <a:rPr lang="en-US" sz="9600" b="1" dirty="0" smtClean="0">
+                <a:solidFill>
+                  <a:srgbClr val="007CBA"/>
+                </a:solidFill>
+                <a:latin typeface="Arial" panose="020B0604020202020204" pitchFamily="34" charset="0"/>
+                <a:ea typeface="Times New Roman"/>
+                <a:cs typeface="Arial" panose="020B0604020202020204" pitchFamily="34" charset="0"/>
+              </a:rPr>
+              <a:t>Images?</a:t>
             </a:r>
             <a:endParaRPr lang="en-US" sz="9600" b="1" dirty="0">
               <a:solidFill>
@@ -3162,7 +3249,7 @@
                 <a:latin typeface="Arial" panose="020B0604020202020204" pitchFamily="34" charset="0"/>
                 <a:cs typeface="Arial" panose="020B0604020202020204" pitchFamily="34" charset="0"/>
               </a:rPr>
-              <a:t>Authors go Here</a:t>
+              <a:t>Sam, Qi, and Wei-Chung</a:t>
             </a:r>
             <a:endParaRPr lang="en-US" sz="6000" b="1" dirty="0">
               <a:latin typeface="Arial" panose="020B0604020202020204" pitchFamily="34" charset="0"/>
@@ -3370,8 +3457,8 @@
         </p:nvSpPr>
         <p:spPr>
           <a:xfrm>
-            <a:off x="1447800" y="5787147"/>
-            <a:ext cx="10972800" cy="14603410"/>
+            <a:off x="1447800" y="9480465"/>
+            <a:ext cx="10972800" cy="7216773"/>
           </a:xfrm>
           <a:prstGeom prst="rect">
             <a:avLst/>
@@ -3405,25 +3492,18 @@
           <a:p>
             <a:pPr algn="just"/>
             <a:r>
+              <a:rPr lang="en-US" sz="4000" b="0" dirty="0" smtClean="0">
+                <a:latin typeface="Arial" pitchFamily="34" charset="0"/>
+                <a:cs typeface="Arial" pitchFamily="34" charset="0"/>
+              </a:rPr>
+              <a:t>In </a:t>
+            </a:r>
+            <a:r>
               <a:rPr lang="en-US" sz="4000" b="0" dirty="0">
                 <a:latin typeface="Arial" pitchFamily="34" charset="0"/>
                 <a:cs typeface="Arial" pitchFamily="34" charset="0"/>
               </a:rPr>
-              <a:t>A whole slide imaging (WSI) system used in digital pathology consists of the scanner, image viewer, and display components. Recently, some independent image viewers were submitted by third-party companies to replace the factory image viewer component used in the predicate device. To demonstrate </a:t>
-            </a:r>
-            <a:r>
-              <a:rPr lang="en-US" sz="4000" b="0" dirty="0" smtClean="0">
-                <a:latin typeface="Arial" pitchFamily="34" charset="0"/>
-                <a:cs typeface="Arial" pitchFamily="34" charset="0"/>
-              </a:rPr>
-              <a:t>substantial equivalence </a:t>
-            </a:r>
-            <a:r>
-              <a:rPr lang="en-US" sz="4000" b="0" dirty="0">
-                <a:latin typeface="Arial" pitchFamily="34" charset="0"/>
-                <a:cs typeface="Arial" pitchFamily="34" charset="0"/>
-              </a:rPr>
-              <a:t>between the former and the latter, sponsors were expected to provide bench testing data for review. However, the sponsors frequently did not test their image viewers adequately for image quality. In this study, a software program, the Image Viewer Integrity Evaluation System (IVIES) was developed to compare two image viewers on the pixel level and report </a:t>
+              <a:t>this study, a software program, the Image Viewer Integrity Evaluation System (IVIES) was developed to compare two image viewers on the pixel level and report </a:t>
             </a:r>
             <a:r>
               <a:rPr lang="en-US" sz="4000" b="0" dirty="0" smtClean="0">
@@ -3653,8 +3733,8 @@
         </p:nvSpPr>
         <p:spPr>
           <a:xfrm>
-            <a:off x="1447800" y="21700725"/>
-            <a:ext cx="10972800" cy="1061241"/>
+            <a:off x="1447800" y="18961513"/>
+            <a:ext cx="10972800" cy="6539664"/>
           </a:xfrm>
           <a:prstGeom prst="rect">
             <a:avLst/>
@@ -3688,16 +3768,12 @@
           <a:p>
             <a:pPr algn="just"/>
             <a:r>
-              <a:rPr lang="en-US" sz="4000" b="0" dirty="0" smtClean="0">
+              <a:rPr lang="en-US" sz="3600" b="0" dirty="0">
                 <a:latin typeface="Arial" pitchFamily="34" charset="0"/>
                 <a:cs typeface="Arial" pitchFamily="34" charset="0"/>
               </a:rPr>
-              <a:t>Placeholder</a:t>
-            </a:r>
-            <a:endParaRPr lang="en-US" sz="3600" b="0" dirty="0">
-              <a:latin typeface="Arial" panose="020B0604020202020204" pitchFamily="34" charset="0"/>
-              <a:cs typeface="Arial" panose="020B0604020202020204" pitchFamily="34" charset="0"/>
-            </a:endParaRPr>
+              <a:t>A whole slide imaging (WSI) system used in digital pathology consists of the scanner, image viewer, and display components. Recently, some independent image viewers were submitted by third-party companies to replace the factory image viewer component used in the predicate device. To demonstrate substantial equivalence between the former and the latter, sponsors were expected to provide bench testing data for review. However, the sponsors frequently did not test their image viewers adequately for image quality.</a:t>
+            </a:r>
           </a:p>
         </p:txBody>
       </p:sp>
